--- a/_DOCUMENTATION/03_Presentation/GFTPrototype-Presentation.pptx
+++ b/_DOCUMENTATION/03_Presentation/GFTPrototype-Presentation.pptx
@@ -10389,13 +10389,6 @@
               </a:rPr>
               <a:t>18. Juni 2012</a:t>
             </a:r>
-            <a:endParaRPr lang="de-CH" sz="1600" dirty="0" smtClean="0">
-              <a:solidFill>
-                <a:schemeClr val="bg1">
-                  <a:lumMod val="85000"/>
-                </a:schemeClr>
-              </a:solidFill>
-            </a:endParaRPr>
           </a:p>
         </p:txBody>
       </p:sp>
@@ -10689,6 +10682,13 @@
   <p:clrMapOvr>
     <a:masterClrMapping/>
   </p:clrMapOvr>
+  <p:timing>
+    <p:tnLst>
+      <p:par>
+        <p:cTn id="1" dur="indefinite" restart="never" nodeType="tmRoot"/>
+      </p:par>
+    </p:tnLst>
+  </p:timing>
 </p:sld>
 </file>
 
@@ -10961,6 +10961,13 @@
   <p:clrMapOvr>
     <a:masterClrMapping/>
   </p:clrMapOvr>
+  <p:timing>
+    <p:tnLst>
+      <p:par>
+        <p:cTn id="1" dur="indefinite" restart="never" nodeType="tmRoot"/>
+      </p:par>
+    </p:tnLst>
+  </p:timing>
 </p:sld>
 </file>
 
@@ -11219,6 +11226,13 @@
   <p:clrMapOvr>
     <a:masterClrMapping/>
   </p:clrMapOvr>
+  <p:timing>
+    <p:tnLst>
+      <p:par>
+        <p:cTn id="1" dur="indefinite" restart="never" nodeType="tmRoot"/>
+      </p:par>
+    </p:tnLst>
+  </p:timing>
 </p:sld>
 </file>
 
@@ -11481,6 +11495,13 @@
   <p:clrMapOvr>
     <a:masterClrMapping/>
   </p:clrMapOvr>
+  <p:timing>
+    <p:tnLst>
+      <p:par>
+        <p:cTn id="1" dur="indefinite" restart="never" nodeType="tmRoot"/>
+      </p:par>
+    </p:tnLst>
+  </p:timing>
 </p:sld>
 </file>
 
@@ -14489,7 +14510,7 @@
         <p:spPr/>
         <p:txBody>
           <a:bodyPr>
-            <a:normAutofit/>
+            <a:normAutofit lnSpcReduction="10000"/>
           </a:bodyPr>
           <a:lstStyle/>
           <a:p>
@@ -14518,27 +14539,46 @@
           <a:p>
             <a:r>
               <a:rPr lang="de-CH" dirty="0" smtClean="0"/>
+              <a:t>Fusion </a:t>
+            </a:r>
+            <a:r>
+              <a:rPr lang="de-CH" dirty="0" err="1" smtClean="0"/>
+              <a:t>Tables</a:t>
+            </a:r>
+            <a:endParaRPr lang="de-CH" dirty="0"/>
+          </a:p>
+          <a:p>
+            <a:pPr lvl="1"/>
+            <a:r>
+              <a:rPr lang="de-CH" dirty="0" smtClean="0"/>
+              <a:t>Datenbank</a:t>
+            </a:r>
+          </a:p>
+          <a:p>
+            <a:pPr lvl="1"/>
+            <a:r>
+              <a:rPr lang="de-CH" dirty="0" smtClean="0"/>
               <a:t>Berechtigungen</a:t>
             </a:r>
-          </a:p>
-          <a:p>
-            <a:r>
-              <a:rPr lang="de-CH" dirty="0" err="1" smtClean="0"/>
-              <a:t>FusionTablesLayer</a:t>
+            <a:endParaRPr lang="de-CH" dirty="0" smtClean="0"/>
+          </a:p>
+          <a:p>
+            <a:pPr lvl="1"/>
+            <a:r>
+              <a:rPr lang="de-CH" dirty="0" smtClean="0"/>
+              <a:t>Datenquelle</a:t>
             </a:r>
             <a:endParaRPr lang="de-CH" dirty="0"/>
           </a:p>
           <a:p>
+            <a:pPr lvl="1"/>
             <a:r>
               <a:rPr lang="de-CH" dirty="0" smtClean="0"/>
-              <a:t>SQL API</a:t>
-            </a:r>
-          </a:p>
-          <a:p>
-            <a:pPr lvl="1"/>
+              <a:t>SQL </a:t>
+            </a:r>
             <a:r>
               <a:rPr lang="de-CH" dirty="0" smtClean="0"/>
-              <a:t>Funktionsumfang</a:t>
+              <a:t>API</a:t>
             </a:r>
           </a:p>
           <a:p>
@@ -14549,8 +14589,23 @@
             </a:r>
             <a:r>
               <a:rPr lang="de-CH" dirty="0" smtClean="0"/>
-              <a:t> (JavaScript Library)</a:t>
-            </a:r>
+              <a:t> </a:t>
+            </a:r>
+            <a:r>
+              <a:rPr lang="de-CH" dirty="0" smtClean="0"/>
+              <a:t>(JavaScript Library</a:t>
+            </a:r>
+            <a:r>
+              <a:rPr lang="de-CH" dirty="0" smtClean="0"/>
+              <a:t>)</a:t>
+            </a:r>
+          </a:p>
+          <a:p>
+            <a:r>
+              <a:rPr lang="de-CH" dirty="0" smtClean="0"/>
+              <a:t>Fazit</a:t>
+            </a:r>
+            <a:endParaRPr lang="de-CH" dirty="0" smtClean="0"/>
           </a:p>
           <a:p>
             <a:endParaRPr lang="de-CH" dirty="0" smtClean="0"/>
@@ -14916,6 +14971,13 @@
   <p:clrMapOvr>
     <a:masterClrMapping/>
   </p:clrMapOvr>
+  <p:timing>
+    <p:tnLst>
+      <p:par>
+        <p:cTn id="1" dur="indefinite" restart="never" nodeType="tmRoot"/>
+      </p:par>
+    </p:tnLst>
+  </p:timing>
 </p:sld>
 </file>
 
@@ -15198,6 +15260,13 @@
   <p:clrMapOvr>
     <a:masterClrMapping/>
   </p:clrMapOvr>
+  <p:timing>
+    <p:tnLst>
+      <p:par>
+        <p:cTn id="1" dur="indefinite" restart="never" nodeType="tmRoot"/>
+      </p:par>
+    </p:tnLst>
+  </p:timing>
 </p:sld>
 </file>
 
@@ -15382,28 +15451,7 @@
                   </a:outerShdw>
                 </a:effectLst>
               </a:rPr>
-              <a:t>http</a:t>
-            </a:r>
-            <a:r>
-              <a:rPr lang="de-CH" sz="3600" dirty="0" smtClean="0">
-                <a:ln w="18415" cmpd="sng">
-                  <a:solidFill>
-                    <a:srgbClr val="FFFFFF"/>
-                  </a:solidFill>
-                  <a:prstDash val="solid"/>
-                </a:ln>
-                <a:solidFill>
-                  <a:srgbClr val="FFFFFF"/>
-                </a:solidFill>
-                <a:effectLst>
-                  <a:outerShdw blurRad="63500" dir="3600000" algn="tl" rotWithShape="0">
-                    <a:srgbClr val="000000">
-                      <a:alpha val="70000"/>
-                    </a:srgbClr>
-                  </a:outerShdw>
-                </a:effectLst>
-              </a:rPr>
-              <a:t>://fixmystreet.rdmr.ch </a:t>
+              <a:t>http://fixmystreet.rdmr.ch </a:t>
             </a:r>
             <a:endParaRPr lang="de-CH" sz="3600" dirty="0">
               <a:ln w="18415" cmpd="sng">
@@ -16262,6 +16310,13 @@
   <p:clrMapOvr>
     <a:masterClrMapping/>
   </p:clrMapOvr>
+  <p:timing>
+    <p:tnLst>
+      <p:par>
+        <p:cTn id="1" dur="indefinite" restart="never" nodeType="tmRoot"/>
+      </p:par>
+    </p:tnLst>
+  </p:timing>
 </p:sld>
 </file>
 
@@ -16480,6 +16535,13 @@
   <p:clrMapOvr>
     <a:masterClrMapping/>
   </p:clrMapOvr>
+  <p:timing>
+    <p:tnLst>
+      <p:par>
+        <p:cTn id="1" dur="indefinite" restart="never" nodeType="tmRoot"/>
+      </p:par>
+    </p:tnLst>
+  </p:timing>
 </p:sld>
 </file>
 
@@ -16689,6 +16751,13 @@
   <p:clrMapOvr>
     <a:masterClrMapping/>
   </p:clrMapOvr>
+  <p:timing>
+    <p:tnLst>
+      <p:par>
+        <p:cTn id="1" dur="indefinite" restart="never" nodeType="tmRoot"/>
+      </p:par>
+    </p:tnLst>
+  </p:timing>
 </p:sld>
 </file>
 
@@ -16941,6 +17010,13 @@
   <p:clrMapOvr>
     <a:masterClrMapping/>
   </p:clrMapOvr>
+  <p:timing>
+    <p:tnLst>
+      <p:par>
+        <p:cTn id="1" dur="indefinite" restart="never" nodeType="tmRoot"/>
+      </p:par>
+    </p:tnLst>
+  </p:timing>
 </p:sld>
 </file>
 
